--- a/Scala Implicits.pptx
+++ b/Scala Implicits.pptx
@@ -5,8 +5,11 @@
     <p:sldMasterId id="2147483660" r:id="rId1"/>
   </p:sldMasterIdLst>
   <p:sldIdLst>
-    <p:sldId id="256" r:id="rId2"/>
-    <p:sldId id="257" r:id="rId3"/>
+    <p:sldId id="260" r:id="rId2"/>
+    <p:sldId id="258" r:id="rId3"/>
+    <p:sldId id="261" r:id="rId4"/>
+    <p:sldId id="256" r:id="rId5"/>
+    <p:sldId id="257" r:id="rId6"/>
   </p:sldIdLst>
   <p:sldSz cx="9144000" cy="6858000" type="screen4x3"/>
   <p:notesSz cx="6858000" cy="9144000"/>
@@ -105,6 +108,11 @@
       </a:defRPr>
     </a:lvl9pPr>
   </p:defaultTextStyle>
+  <p:extLst>
+    <p:ext uri="{EFAFB233-063F-42B5-8137-9DF3F51BA10A}">
+      <p15:sldGuideLst xmlns:p15="http://schemas.microsoft.com/office/powerpoint/2012/main"/>
+    </p:ext>
+  </p:extLst>
 </p:presentation>
 </file>
 
@@ -239,7 +247,7 @@
           <a:p>
             <a:fld id="{2466A04C-5D6B-214F-ADB2-B0248FA06E55}" type="datetimeFigureOut">
               <a:rPr lang="de-DE" smtClean="0"/>
-              <a:t>29.04.16</a:t>
+              <a:t>29.04.2016</a:t>
             </a:fld>
             <a:endParaRPr lang="de-DE"/>
           </a:p>
@@ -409,7 +417,7 @@
           <a:p>
             <a:fld id="{2466A04C-5D6B-214F-ADB2-B0248FA06E55}" type="datetimeFigureOut">
               <a:rPr lang="de-DE" smtClean="0"/>
-              <a:t>29.04.16</a:t>
+              <a:t>29.04.2016</a:t>
             </a:fld>
             <a:endParaRPr lang="de-DE"/>
           </a:p>
@@ -589,7 +597,7 @@
           <a:p>
             <a:fld id="{2466A04C-5D6B-214F-ADB2-B0248FA06E55}" type="datetimeFigureOut">
               <a:rPr lang="de-DE" smtClean="0"/>
-              <a:t>29.04.16</a:t>
+              <a:t>29.04.2016</a:t>
             </a:fld>
             <a:endParaRPr lang="de-DE"/>
           </a:p>
@@ -759,7 +767,7 @@
           <a:p>
             <a:fld id="{2466A04C-5D6B-214F-ADB2-B0248FA06E55}" type="datetimeFigureOut">
               <a:rPr lang="de-DE" smtClean="0"/>
-              <a:t>29.04.16</a:t>
+              <a:t>29.04.2016</a:t>
             </a:fld>
             <a:endParaRPr lang="de-DE"/>
           </a:p>
@@ -1003,7 +1011,7 @@
           <a:p>
             <a:fld id="{2466A04C-5D6B-214F-ADB2-B0248FA06E55}" type="datetimeFigureOut">
               <a:rPr lang="de-DE" smtClean="0"/>
-              <a:t>29.04.16</a:t>
+              <a:t>29.04.2016</a:t>
             </a:fld>
             <a:endParaRPr lang="de-DE"/>
           </a:p>
@@ -1235,7 +1243,7 @@
           <a:p>
             <a:fld id="{2466A04C-5D6B-214F-ADB2-B0248FA06E55}" type="datetimeFigureOut">
               <a:rPr lang="de-DE" smtClean="0"/>
-              <a:t>29.04.16</a:t>
+              <a:t>29.04.2016</a:t>
             </a:fld>
             <a:endParaRPr lang="de-DE"/>
           </a:p>
@@ -1602,7 +1610,7 @@
           <a:p>
             <a:fld id="{2466A04C-5D6B-214F-ADB2-B0248FA06E55}" type="datetimeFigureOut">
               <a:rPr lang="de-DE" smtClean="0"/>
-              <a:t>29.04.16</a:t>
+              <a:t>29.04.2016</a:t>
             </a:fld>
             <a:endParaRPr lang="de-DE"/>
           </a:p>
@@ -1720,7 +1728,7 @@
           <a:p>
             <a:fld id="{2466A04C-5D6B-214F-ADB2-B0248FA06E55}" type="datetimeFigureOut">
               <a:rPr lang="de-DE" smtClean="0"/>
-              <a:t>29.04.16</a:t>
+              <a:t>29.04.2016</a:t>
             </a:fld>
             <a:endParaRPr lang="de-DE"/>
           </a:p>
@@ -1815,7 +1823,7 @@
           <a:p>
             <a:fld id="{2466A04C-5D6B-214F-ADB2-B0248FA06E55}" type="datetimeFigureOut">
               <a:rPr lang="de-DE" smtClean="0"/>
-              <a:t>29.04.16</a:t>
+              <a:t>29.04.2016</a:t>
             </a:fld>
             <a:endParaRPr lang="de-DE"/>
           </a:p>
@@ -2092,7 +2100,7 @@
           <a:p>
             <a:fld id="{2466A04C-5D6B-214F-ADB2-B0248FA06E55}" type="datetimeFigureOut">
               <a:rPr lang="de-DE" smtClean="0"/>
-              <a:t>29.04.16</a:t>
+              <a:t>29.04.2016</a:t>
             </a:fld>
             <a:endParaRPr lang="de-DE"/>
           </a:p>
@@ -2349,7 +2357,7 @@
           <a:p>
             <a:fld id="{2466A04C-5D6B-214F-ADB2-B0248FA06E55}" type="datetimeFigureOut">
               <a:rPr lang="de-DE" smtClean="0"/>
-              <a:t>29.04.16</a:t>
+              <a:t>29.04.2016</a:t>
             </a:fld>
             <a:endParaRPr lang="de-DE"/>
           </a:p>
@@ -2562,7 +2570,7 @@
           <a:p>
             <a:fld id="{2466A04C-5D6B-214F-ADB2-B0248FA06E55}" type="datetimeFigureOut">
               <a:rPr lang="de-DE" smtClean="0"/>
-              <a:t>29.04.16</a:t>
+              <a:t>29.04.2016</a:t>
             </a:fld>
             <a:endParaRPr lang="de-DE"/>
           </a:p>
@@ -2983,6 +2991,570 @@
           <a:lstStyle/>
           <a:p>
             <a:r>
+              <a:rPr lang="de-DE" dirty="0" smtClean="0"/>
+              <a:t>DSL mit</a:t>
+            </a:r>
+            <a:br>
+              <a:rPr lang="de-DE" dirty="0" smtClean="0"/>
+            </a:br>
+            <a:r>
+              <a:rPr lang="de-DE" dirty="0" smtClean="0"/>
+              <a:t>Scala</a:t>
+            </a:r>
+            <a:endParaRPr lang="de-DE" dirty="0"/>
+          </a:p>
+        </p:txBody>
+      </p:sp>
+      <p:sp>
+        <p:nvSpPr>
+          <p:cNvPr id="3" name="Untertitel 2"/>
+          <p:cNvSpPr>
+            <a:spLocks noGrp="1"/>
+          </p:cNvSpPr>
+          <p:nvPr>
+            <p:ph type="subTitle" idx="1"/>
+          </p:nvPr>
+        </p:nvSpPr>
+        <p:spPr/>
+        <p:txBody>
+          <a:bodyPr/>
+          <a:lstStyle/>
+          <a:p>
+            <a:endParaRPr lang="de-DE" dirty="0"/>
+          </a:p>
+        </p:txBody>
+      </p:sp>
+    </p:spTree>
+    <p:extLst>
+      <p:ext uri="{BB962C8B-B14F-4D97-AF65-F5344CB8AC3E}">
+        <p14:creationId xmlns:p14="http://schemas.microsoft.com/office/powerpoint/2010/main" val="1687743064"/>
+      </p:ext>
+    </p:extLst>
+  </p:cSld>
+  <p:clrMapOvr>
+    <a:masterClrMapping/>
+  </p:clrMapOvr>
+  <p:timing>
+    <p:tnLst>
+      <p:par>
+        <p:cTn id="1" dur="indefinite" restart="never" nodeType="tmRoot"/>
+      </p:par>
+    </p:tnLst>
+  </p:timing>
+</p:sld>
+</file>
+
+<file path=ppt/slides/slide2.xml><?xml version="1.0" encoding="utf-8"?>
+<p:sld xmlns:a="http://schemas.openxmlformats.org/drawingml/2006/main" xmlns:r="http://schemas.openxmlformats.org/officeDocument/2006/relationships" xmlns:p="http://schemas.openxmlformats.org/presentationml/2006/main">
+  <p:cSld>
+    <p:spTree>
+      <p:nvGrpSpPr>
+        <p:cNvPr id="1" name=""/>
+        <p:cNvGrpSpPr/>
+        <p:nvPr/>
+      </p:nvGrpSpPr>
+      <p:grpSpPr>
+        <a:xfrm>
+          <a:off x="0" y="0"/>
+          <a:ext cx="0" cy="0"/>
+          <a:chOff x="0" y="0"/>
+          <a:chExt cx="0" cy="0"/>
+        </a:xfrm>
+      </p:grpSpPr>
+      <p:sp>
+        <p:nvSpPr>
+          <p:cNvPr id="2" name="Titel 1"/>
+          <p:cNvSpPr>
+            <a:spLocks noGrp="1"/>
+          </p:cNvSpPr>
+          <p:nvPr>
+            <p:ph type="title"/>
+          </p:nvPr>
+        </p:nvSpPr>
+        <p:spPr/>
+        <p:txBody>
+          <a:bodyPr/>
+          <a:lstStyle/>
+          <a:p>
+            <a:r>
+              <a:rPr lang="de-DE" dirty="0" smtClean="0"/>
+              <a:t>Methodenaufruf</a:t>
+            </a:r>
+            <a:endParaRPr lang="de-DE" dirty="0"/>
+          </a:p>
+        </p:txBody>
+      </p:sp>
+      <p:sp>
+        <p:nvSpPr>
+          <p:cNvPr id="5" name="Rechteck 4"/>
+          <p:cNvSpPr/>
+          <p:nvPr/>
+        </p:nvSpPr>
+        <p:spPr>
+          <a:xfrm>
+            <a:off x="628650" y="1907273"/>
+            <a:ext cx="6898585" cy="584775"/>
+          </a:xfrm>
+          <a:prstGeom prst="rect">
+            <a:avLst/>
+          </a:prstGeom>
+        </p:spPr>
+        <p:txBody>
+          <a:bodyPr wrap="square">
+            <a:spAutoFit/>
+          </a:bodyPr>
+          <a:lstStyle/>
+          <a:p>
+            <a:r>
+              <a:rPr lang="en-US" sz="3200" dirty="0" err="1" smtClean="0">
+                <a:solidFill>
+                  <a:srgbClr val="0000FF"/>
+                </a:solidFill>
+                <a:effectLst/>
+                <a:latin typeface="Consolas" charset="0"/>
+                <a:ea typeface="Consolas" charset="0"/>
+                <a:cs typeface="Consolas" charset="0"/>
+              </a:rPr>
+              <a:t>object</a:t>
+            </a:r>
+            <a:r>
+              <a:rPr lang="en-US" sz="3200" dirty="0" err="1" smtClean="0">
+                <a:latin typeface="Consolas" charset="0"/>
+                <a:ea typeface="Consolas" charset="0"/>
+                <a:cs typeface="Consolas" charset="0"/>
+              </a:rPr>
+              <a:t>.method</a:t>
+            </a:r>
+            <a:r>
+              <a:rPr lang="en-US" sz="3200" dirty="0" smtClean="0">
+                <a:latin typeface="Consolas" charset="0"/>
+                <a:ea typeface="Consolas" charset="0"/>
+                <a:cs typeface="Consolas" charset="0"/>
+              </a:rPr>
+              <a:t>(</a:t>
+            </a:r>
+            <a:r>
+              <a:rPr lang="en-US" sz="3200" dirty="0" smtClean="0">
+                <a:solidFill>
+                  <a:srgbClr val="0000FF"/>
+                </a:solidFill>
+                <a:effectLst/>
+                <a:latin typeface="Consolas" charset="0"/>
+                <a:ea typeface="Consolas" charset="0"/>
+                <a:cs typeface="Consolas" charset="0"/>
+              </a:rPr>
+              <a:t>object2</a:t>
+            </a:r>
+            <a:r>
+              <a:rPr lang="en-US" sz="3200" dirty="0" smtClean="0">
+                <a:latin typeface="Consolas" charset="0"/>
+                <a:ea typeface="Consolas" charset="0"/>
+                <a:cs typeface="Consolas" charset="0"/>
+              </a:rPr>
+              <a:t>)</a:t>
+            </a:r>
+            <a:endParaRPr lang="de-DE" sz="3200" dirty="0">
+              <a:latin typeface="Consolas" charset="0"/>
+              <a:ea typeface="Consolas" charset="0"/>
+              <a:cs typeface="Consolas" charset="0"/>
+            </a:endParaRPr>
+          </a:p>
+        </p:txBody>
+      </p:sp>
+      <p:sp>
+        <p:nvSpPr>
+          <p:cNvPr id="6" name="Rechteck 5"/>
+          <p:cNvSpPr/>
+          <p:nvPr/>
+        </p:nvSpPr>
+        <p:spPr>
+          <a:xfrm>
+            <a:off x="628650" y="2763421"/>
+            <a:ext cx="4931158" cy="584775"/>
+          </a:xfrm>
+          <a:prstGeom prst="rect">
+            <a:avLst/>
+          </a:prstGeom>
+        </p:spPr>
+        <p:txBody>
+          <a:bodyPr wrap="none">
+            <a:spAutoFit/>
+          </a:bodyPr>
+          <a:lstStyle/>
+          <a:p>
+            <a:r>
+              <a:rPr lang="en-US" sz="3200" dirty="0">
+                <a:solidFill>
+                  <a:srgbClr val="0000FF"/>
+                </a:solidFill>
+                <a:latin typeface="Consolas" charset="0"/>
+                <a:ea typeface="Consolas" charset="0"/>
+                <a:cs typeface="Consolas" charset="0"/>
+              </a:rPr>
+              <a:t>o</a:t>
+            </a:r>
+            <a:r>
+              <a:rPr lang="en-US" sz="3200" dirty="0" smtClean="0">
+                <a:solidFill>
+                  <a:srgbClr val="0000FF"/>
+                </a:solidFill>
+                <a:latin typeface="Consolas" charset="0"/>
+                <a:ea typeface="Consolas" charset="0"/>
+                <a:cs typeface="Consolas" charset="0"/>
+              </a:rPr>
+              <a:t>bject</a:t>
+            </a:r>
+            <a:r>
+              <a:rPr lang="en-US" sz="3200" dirty="0" smtClean="0">
+                <a:latin typeface="Consolas" charset="0"/>
+                <a:ea typeface="Consolas" charset="0"/>
+                <a:cs typeface="Consolas" charset="0"/>
+              </a:rPr>
+              <a:t> method </a:t>
+            </a:r>
+            <a:r>
+              <a:rPr lang="en-US" sz="3200" dirty="0" smtClean="0">
+                <a:solidFill>
+                  <a:srgbClr val="0000FF"/>
+                </a:solidFill>
+                <a:latin typeface="Consolas" charset="0"/>
+                <a:ea typeface="Consolas" charset="0"/>
+                <a:cs typeface="Consolas" charset="0"/>
+              </a:rPr>
+              <a:t>object2</a:t>
+            </a:r>
+            <a:endParaRPr lang="de-DE" sz="3200" dirty="0">
+              <a:latin typeface="Consolas" charset="0"/>
+              <a:ea typeface="Consolas" charset="0"/>
+              <a:cs typeface="Consolas" charset="0"/>
+            </a:endParaRPr>
+          </a:p>
+        </p:txBody>
+      </p:sp>
+      <p:sp>
+        <p:nvSpPr>
+          <p:cNvPr id="7" name="Rechteck 6"/>
+          <p:cNvSpPr/>
+          <p:nvPr/>
+        </p:nvSpPr>
+        <p:spPr>
+          <a:xfrm>
+            <a:off x="628650" y="3619569"/>
+            <a:ext cx="5157181" cy="584775"/>
+          </a:xfrm>
+          <a:prstGeom prst="rect">
+            <a:avLst/>
+          </a:prstGeom>
+        </p:spPr>
+        <p:txBody>
+          <a:bodyPr wrap="none">
+            <a:spAutoFit/>
+          </a:bodyPr>
+          <a:lstStyle/>
+          <a:p>
+            <a:r>
+              <a:rPr lang="en-US" sz="3200" dirty="0">
+                <a:solidFill>
+                  <a:srgbClr val="0000FF"/>
+                </a:solidFill>
+                <a:latin typeface="Consolas" charset="0"/>
+                <a:ea typeface="Consolas" charset="0"/>
+                <a:cs typeface="Consolas" charset="0"/>
+              </a:rPr>
+              <a:t>o</a:t>
+            </a:r>
+            <a:r>
+              <a:rPr lang="en-US" sz="3200" dirty="0" smtClean="0">
+                <a:solidFill>
+                  <a:srgbClr val="0000FF"/>
+                </a:solidFill>
+                <a:latin typeface="Consolas" charset="0"/>
+                <a:ea typeface="Consolas" charset="0"/>
+                <a:cs typeface="Consolas" charset="0"/>
+              </a:rPr>
+              <a:t>bject</a:t>
+            </a:r>
+            <a:r>
+              <a:rPr lang="en-US" sz="3200" dirty="0" smtClean="0">
+                <a:latin typeface="Consolas" charset="0"/>
+                <a:ea typeface="Consolas" charset="0"/>
+                <a:cs typeface="Consolas" charset="0"/>
+              </a:rPr>
+              <a:t> method: </a:t>
+            </a:r>
+            <a:r>
+              <a:rPr lang="en-US" sz="3200" dirty="0" smtClean="0">
+                <a:solidFill>
+                  <a:srgbClr val="0000FF"/>
+                </a:solidFill>
+                <a:latin typeface="Consolas" charset="0"/>
+                <a:ea typeface="Consolas" charset="0"/>
+                <a:cs typeface="Consolas" charset="0"/>
+              </a:rPr>
+              <a:t>object2</a:t>
+            </a:r>
+            <a:endParaRPr lang="de-DE" sz="3200" dirty="0">
+              <a:latin typeface="Consolas" charset="0"/>
+              <a:ea typeface="Consolas" charset="0"/>
+              <a:cs typeface="Consolas" charset="0"/>
+            </a:endParaRPr>
+          </a:p>
+        </p:txBody>
+      </p:sp>
+    </p:spTree>
+    <p:extLst>
+      <p:ext uri="{BB962C8B-B14F-4D97-AF65-F5344CB8AC3E}">
+        <p14:creationId xmlns:p14="http://schemas.microsoft.com/office/powerpoint/2010/main" val="1874845825"/>
+      </p:ext>
+    </p:extLst>
+  </p:cSld>
+  <p:clrMapOvr>
+    <a:masterClrMapping/>
+  </p:clrMapOvr>
+  <p:timing>
+    <p:tnLst>
+      <p:par>
+        <p:cTn id="1" dur="indefinite" restart="never" nodeType="tmRoot">
+          <p:childTnLst>
+            <p:seq concurrent="1" nextAc="seek">
+              <p:cTn id="2" dur="indefinite" nodeType="mainSeq">
+                <p:childTnLst>
+                  <p:par>
+                    <p:cTn id="3" fill="hold">
+                      <p:stCondLst>
+                        <p:cond delay="indefinite"/>
+                      </p:stCondLst>
+                      <p:childTnLst>
+                        <p:par>
+                          <p:cTn id="4" fill="hold">
+                            <p:stCondLst>
+                              <p:cond delay="0"/>
+                            </p:stCondLst>
+                            <p:childTnLst>
+                              <p:par>
+                                <p:cTn id="5" presetID="1" presetClass="entr" presetSubtype="0" fill="hold" grpId="0" nodeType="clickEffect">
+                                  <p:stCondLst>
+                                    <p:cond delay="0"/>
+                                  </p:stCondLst>
+                                  <p:childTnLst>
+                                    <p:set>
+                                      <p:cBhvr>
+                                        <p:cTn id="6" dur="1" fill="hold">
+                                          <p:stCondLst>
+                                            <p:cond delay="0"/>
+                                          </p:stCondLst>
+                                        </p:cTn>
+                                        <p:tgtEl>
+                                          <p:spTgt spid="5"/>
+                                        </p:tgtEl>
+                                        <p:attrNameLst>
+                                          <p:attrName>style.visibility</p:attrName>
+                                        </p:attrNameLst>
+                                      </p:cBhvr>
+                                      <p:to>
+                                        <p:strVal val="visible"/>
+                                      </p:to>
+                                    </p:set>
+                                  </p:childTnLst>
+                                </p:cTn>
+                              </p:par>
+                            </p:childTnLst>
+                          </p:cTn>
+                        </p:par>
+                      </p:childTnLst>
+                    </p:cTn>
+                  </p:par>
+                </p:childTnLst>
+              </p:cTn>
+              <p:prevCondLst>
+                <p:cond evt="onPrev" delay="0">
+                  <p:tgtEl>
+                    <p:sldTgt/>
+                  </p:tgtEl>
+                </p:cond>
+              </p:prevCondLst>
+              <p:nextCondLst>
+                <p:cond evt="onNext" delay="0">
+                  <p:tgtEl>
+                    <p:sldTgt/>
+                  </p:tgtEl>
+                </p:cond>
+              </p:nextCondLst>
+            </p:seq>
+          </p:childTnLst>
+        </p:cTn>
+      </p:par>
+    </p:tnLst>
+    <p:bldLst>
+      <p:bldP spid="5" grpId="0"/>
+    </p:bldLst>
+  </p:timing>
+</p:sld>
+</file>
+
+<file path=ppt/slides/slide3.xml><?xml version="1.0" encoding="utf-8"?>
+<p:sld xmlns:a="http://schemas.openxmlformats.org/drawingml/2006/main" xmlns:r="http://schemas.openxmlformats.org/officeDocument/2006/relationships" xmlns:p="http://schemas.openxmlformats.org/presentationml/2006/main">
+  <p:cSld>
+    <p:spTree>
+      <p:nvGrpSpPr>
+        <p:cNvPr id="1" name=""/>
+        <p:cNvGrpSpPr/>
+        <p:nvPr/>
+      </p:nvGrpSpPr>
+      <p:grpSpPr>
+        <a:xfrm>
+          <a:off x="0" y="0"/>
+          <a:ext cx="0" cy="0"/>
+          <a:chOff x="0" y="0"/>
+          <a:chExt cx="0" cy="0"/>
+        </a:xfrm>
+      </p:grpSpPr>
+      <p:sp>
+        <p:nvSpPr>
+          <p:cNvPr id="2" name="Titel 1"/>
+          <p:cNvSpPr>
+            <a:spLocks noGrp="1"/>
+          </p:cNvSpPr>
+          <p:nvPr>
+            <p:ph type="title"/>
+          </p:nvPr>
+        </p:nvSpPr>
+        <p:spPr/>
+        <p:txBody>
+          <a:bodyPr/>
+          <a:lstStyle/>
+          <a:p>
+            <a:r>
+              <a:rPr lang="de-DE" dirty="0" smtClean="0"/>
+              <a:t>Symbols</a:t>
+            </a:r>
+            <a:endParaRPr lang="de-DE" dirty="0"/>
+          </a:p>
+        </p:txBody>
+      </p:sp>
+      <p:sp>
+        <p:nvSpPr>
+          <p:cNvPr id="3" name="Inhaltsplatzhalter 2"/>
+          <p:cNvSpPr>
+            <a:spLocks noGrp="1"/>
+          </p:cNvSpPr>
+          <p:nvPr>
+            <p:ph idx="1"/>
+          </p:nvPr>
+        </p:nvSpPr>
+        <p:spPr/>
+        <p:txBody>
+          <a:bodyPr/>
+          <a:lstStyle/>
+          <a:p>
+            <a:r>
+              <a:rPr lang="de-DE" dirty="0" smtClean="0"/>
+              <a:t>Symbole haben nur einem </a:t>
+            </a:r>
+            <a:r>
+              <a:rPr lang="de-DE" dirty="0" err="1" smtClean="0"/>
+              <a:t>namen</a:t>
+            </a:r>
+            <a:endParaRPr lang="de-DE" dirty="0" smtClean="0"/>
+          </a:p>
+          <a:p>
+            <a:r>
+              <a:rPr lang="de-DE" dirty="0" smtClean="0"/>
+              <a:t>Definiert mit </a:t>
+            </a:r>
+            <a:r>
+              <a:rPr lang="de-DE" dirty="0"/>
+              <a:t>einem </a:t>
+            </a:r>
+            <a:r>
+              <a:rPr lang="de-DE" dirty="0" smtClean="0"/>
+              <a:t>' gefolgt von einem String</a:t>
+            </a:r>
+          </a:p>
+          <a:p>
+            <a:r>
+              <a:rPr lang="de-DE" dirty="0" smtClean="0"/>
+              <a:t>'</a:t>
+            </a:r>
+            <a:r>
+              <a:rPr lang="de-DE" dirty="0" err="1" smtClean="0"/>
+              <a:t>xyz</a:t>
+            </a:r>
+            <a:endParaRPr lang="de-DE" dirty="0" smtClean="0"/>
+          </a:p>
+          <a:p>
+            <a:r>
+              <a:rPr lang="de-DE" dirty="0" err="1"/>
+              <a:t>dvar</a:t>
+            </a:r>
+            <a:r>
+              <a:rPr lang="de-DE" dirty="0"/>
+              <a:t> </a:t>
+            </a:r>
+            <a:r>
+              <a:rPr lang="de-DE" dirty="0" err="1"/>
+              <a:t>float</a:t>
+            </a:r>
+            <a:r>
+              <a:rPr lang="de-DE" dirty="0"/>
+              <a:t> 'x</a:t>
+            </a:r>
+          </a:p>
+        </p:txBody>
+      </p:sp>
+    </p:spTree>
+    <p:extLst>
+      <p:ext uri="{BB962C8B-B14F-4D97-AF65-F5344CB8AC3E}">
+        <p14:creationId xmlns:p14="http://schemas.microsoft.com/office/powerpoint/2010/main" val="1353445532"/>
+      </p:ext>
+    </p:extLst>
+  </p:cSld>
+  <p:clrMapOvr>
+    <a:masterClrMapping/>
+  </p:clrMapOvr>
+  <p:timing>
+    <p:tnLst>
+      <p:par>
+        <p:cTn id="1" dur="indefinite" restart="never" nodeType="tmRoot"/>
+      </p:par>
+    </p:tnLst>
+  </p:timing>
+</p:sld>
+</file>
+
+<file path=ppt/slides/slide4.xml><?xml version="1.0" encoding="utf-8"?>
+<p:sld xmlns:a="http://schemas.openxmlformats.org/drawingml/2006/main" xmlns:r="http://schemas.openxmlformats.org/officeDocument/2006/relationships" xmlns:p="http://schemas.openxmlformats.org/presentationml/2006/main">
+  <p:cSld>
+    <p:spTree>
+      <p:nvGrpSpPr>
+        <p:cNvPr id="1" name=""/>
+        <p:cNvGrpSpPr/>
+        <p:nvPr/>
+      </p:nvGrpSpPr>
+      <p:grpSpPr>
+        <a:xfrm>
+          <a:off x="0" y="0"/>
+          <a:ext cx="0" cy="0"/>
+          <a:chOff x="0" y="0"/>
+          <a:chExt cx="0" cy="0"/>
+        </a:xfrm>
+      </p:grpSpPr>
+      <p:sp>
+        <p:nvSpPr>
+          <p:cNvPr id="2" name="Titel 1"/>
+          <p:cNvSpPr>
+            <a:spLocks noGrp="1"/>
+          </p:cNvSpPr>
+          <p:nvPr>
+            <p:ph type="ctrTitle"/>
+          </p:nvPr>
+        </p:nvSpPr>
+        <p:spPr/>
+        <p:txBody>
+          <a:bodyPr/>
+          <a:lstStyle/>
+          <a:p>
+            <a:r>
               <a:rPr lang="de-DE" dirty="0"/>
               <a:t>Scala </a:t>
             </a:r>
@@ -3033,7 +3605,7 @@
 </p:sld>
 </file>
 
-<file path=ppt/slides/slide2.xml><?xml version="1.0" encoding="utf-8"?>
+<file path=ppt/slides/slide5.xml><?xml version="1.0" encoding="utf-8"?>
 <p:sld xmlns:a="http://schemas.openxmlformats.org/drawingml/2006/main" xmlns:r="http://schemas.openxmlformats.org/officeDocument/2006/relationships" xmlns:p="http://schemas.openxmlformats.org/presentationml/2006/main">
   <p:cSld>
     <p:spTree>
@@ -3894,15 +4466,7 @@
                 <a:ea typeface="Consolas" charset="0"/>
                 <a:cs typeface="Consolas" charset="0"/>
               </a:rPr>
-              <a:t> x </a:t>
-            </a:r>
-            <a:r>
-              <a:rPr lang="en-US" sz="1600" dirty="0" smtClean="0">
-                <a:latin typeface="Consolas" charset="0"/>
-                <a:ea typeface="Consolas" charset="0"/>
-                <a:cs typeface="Consolas" charset="0"/>
-              </a:rPr>
-              <a:t>+ </a:t>
+              <a:t> x + </a:t>
             </a:r>
             <a:r>
               <a:rPr lang="en-US" sz="1600" dirty="0" smtClean="0">
